--- a/Reports/졸과 포스터 0.0.3.pptx
+++ b/Reports/졸과 포스터 0.0.3.pptx
@@ -11,25 +11,25 @@
   <p:notesSz cx="6858000" cy="9144000"/>
   <p:embeddedFontLst>
     <p:embeddedFont>
-      <p:font typeface="나눔스퀘어 Bold" panose="020B0600000101010101" pitchFamily="50" charset="-127"/>
-      <p:bold r:id="rId3"/>
-    </p:embeddedFont>
-    <p:embeddedFont>
       <p:font typeface="Calibri" panose="020F0502020204030204" pitchFamily="34" charset="0"/>
-      <p:regular r:id="rId4"/>
-      <p:bold r:id="rId5"/>
-      <p:italic r:id="rId6"/>
-      <p:boldItalic r:id="rId7"/>
+      <p:regular r:id="rId3"/>
+      <p:bold r:id="rId4"/>
+      <p:italic r:id="rId5"/>
+      <p:boldItalic r:id="rId6"/>
     </p:embeddedFont>
     <p:embeddedFont>
       <p:font typeface="Calibri Light" panose="020F0302020204030204" pitchFamily="34" charset="0"/>
-      <p:regular r:id="rId8"/>
-      <p:italic r:id="rId9"/>
+      <p:regular r:id="rId7"/>
+      <p:italic r:id="rId8"/>
     </p:embeddedFont>
     <p:embeddedFont>
       <p:font typeface="Franklin Gothic Demi" panose="020B0703020102020204" pitchFamily="34" charset="0"/>
-      <p:regular r:id="rId10"/>
-      <p:italic r:id="rId11"/>
+      <p:regular r:id="rId9"/>
+      <p:italic r:id="rId10"/>
+    </p:embeddedFont>
+    <p:embeddedFont>
+      <p:font typeface="나눔스퀘어 Bold" panose="020B0600000101010101" pitchFamily="50" charset="-127"/>
+      <p:bold r:id="rId11"/>
     </p:embeddedFont>
     <p:embeddedFont>
       <p:font typeface="맑은 고딕" panose="020B0503020000020004" pitchFamily="50" charset="-127"/>
@@ -282,7 +282,7 @@
           <a:p>
             <a:fld id="{26368C2B-BE6A-4123-B1EB-3B148078ED94}" type="datetimeFigureOut">
               <a:rPr lang="ko-KR" altLang="en-US" smtClean="0"/>
-              <a:t>2020-09-01</a:t>
+              <a:t>2020-09-02</a:t>
             </a:fld>
             <a:endParaRPr lang="ko-KR" altLang="en-US"/>
           </a:p>
@@ -452,7 +452,7 @@
           <a:p>
             <a:fld id="{26368C2B-BE6A-4123-B1EB-3B148078ED94}" type="datetimeFigureOut">
               <a:rPr lang="ko-KR" altLang="en-US" smtClean="0"/>
-              <a:t>2020-09-01</a:t>
+              <a:t>2020-09-02</a:t>
             </a:fld>
             <a:endParaRPr lang="ko-KR" altLang="en-US"/>
           </a:p>
@@ -632,7 +632,7 @@
           <a:p>
             <a:fld id="{26368C2B-BE6A-4123-B1EB-3B148078ED94}" type="datetimeFigureOut">
               <a:rPr lang="ko-KR" altLang="en-US" smtClean="0"/>
-              <a:t>2020-09-01</a:t>
+              <a:t>2020-09-02</a:t>
             </a:fld>
             <a:endParaRPr lang="ko-KR" altLang="en-US"/>
           </a:p>
@@ -802,7 +802,7 @@
           <a:p>
             <a:fld id="{26368C2B-BE6A-4123-B1EB-3B148078ED94}" type="datetimeFigureOut">
               <a:rPr lang="ko-KR" altLang="en-US" smtClean="0"/>
-              <a:t>2020-09-01</a:t>
+              <a:t>2020-09-02</a:t>
             </a:fld>
             <a:endParaRPr lang="ko-KR" altLang="en-US"/>
           </a:p>
@@ -1046,7 +1046,7 @@
           <a:p>
             <a:fld id="{26368C2B-BE6A-4123-B1EB-3B148078ED94}" type="datetimeFigureOut">
               <a:rPr lang="ko-KR" altLang="en-US" smtClean="0"/>
-              <a:t>2020-09-01</a:t>
+              <a:t>2020-09-02</a:t>
             </a:fld>
             <a:endParaRPr lang="ko-KR" altLang="en-US"/>
           </a:p>
@@ -1278,7 +1278,7 @@
           <a:p>
             <a:fld id="{26368C2B-BE6A-4123-B1EB-3B148078ED94}" type="datetimeFigureOut">
               <a:rPr lang="ko-KR" altLang="en-US" smtClean="0"/>
-              <a:t>2020-09-01</a:t>
+              <a:t>2020-09-02</a:t>
             </a:fld>
             <a:endParaRPr lang="ko-KR" altLang="en-US"/>
           </a:p>
@@ -1645,7 +1645,7 @@
           <a:p>
             <a:fld id="{26368C2B-BE6A-4123-B1EB-3B148078ED94}" type="datetimeFigureOut">
               <a:rPr lang="ko-KR" altLang="en-US" smtClean="0"/>
-              <a:t>2020-09-01</a:t>
+              <a:t>2020-09-02</a:t>
             </a:fld>
             <a:endParaRPr lang="ko-KR" altLang="en-US"/>
           </a:p>
@@ -1763,7 +1763,7 @@
           <a:p>
             <a:fld id="{26368C2B-BE6A-4123-B1EB-3B148078ED94}" type="datetimeFigureOut">
               <a:rPr lang="ko-KR" altLang="en-US" smtClean="0"/>
-              <a:t>2020-09-01</a:t>
+              <a:t>2020-09-02</a:t>
             </a:fld>
             <a:endParaRPr lang="ko-KR" altLang="en-US"/>
           </a:p>
@@ -1858,7 +1858,7 @@
           <a:p>
             <a:fld id="{26368C2B-BE6A-4123-B1EB-3B148078ED94}" type="datetimeFigureOut">
               <a:rPr lang="ko-KR" altLang="en-US" smtClean="0"/>
-              <a:t>2020-09-01</a:t>
+              <a:t>2020-09-02</a:t>
             </a:fld>
             <a:endParaRPr lang="ko-KR" altLang="en-US"/>
           </a:p>
@@ -2135,7 +2135,7 @@
           <a:p>
             <a:fld id="{26368C2B-BE6A-4123-B1EB-3B148078ED94}" type="datetimeFigureOut">
               <a:rPr lang="ko-KR" altLang="en-US" smtClean="0"/>
-              <a:t>2020-09-01</a:t>
+              <a:t>2020-09-02</a:t>
             </a:fld>
             <a:endParaRPr lang="ko-KR" altLang="en-US"/>
           </a:p>
@@ -2392,7 +2392,7 @@
           <a:p>
             <a:fld id="{26368C2B-BE6A-4123-B1EB-3B148078ED94}" type="datetimeFigureOut">
               <a:rPr lang="ko-KR" altLang="en-US" smtClean="0"/>
-              <a:t>2020-09-01</a:t>
+              <a:t>2020-09-02</a:t>
             </a:fld>
             <a:endParaRPr lang="ko-KR" altLang="en-US"/>
           </a:p>
@@ -2605,7 +2605,7 @@
           <a:p>
             <a:fld id="{26368C2B-BE6A-4123-B1EB-3B148078ED94}" type="datetimeFigureOut">
               <a:rPr lang="ko-KR" altLang="en-US" smtClean="0"/>
-              <a:t>2020-09-01</a:t>
+              <a:t>2020-09-02</a:t>
             </a:fld>
             <a:endParaRPr lang="ko-KR" altLang="en-US"/>
           </a:p>
@@ -3583,6 +3583,16 @@
             <a:p>
               <a:pPr algn="ctr"/>
               <a:r>
+                <a:rPr lang="ko-KR" altLang="en-US" sz="6000" b="1" dirty="0">
+                  <a:solidFill>
+                    <a:schemeClr val="bg1"/>
+                  </a:solidFill>
+                  <a:latin typeface="+mj-ea"/>
+                  <a:ea typeface="+mj-ea"/>
+                </a:rPr>
+                <a:t>차량 운행 상태 분석을 위한 </a:t>
+              </a:r>
+              <a:r>
                 <a:rPr lang="en-US" altLang="ko-KR" sz="6000" b="1" dirty="0">
                   <a:solidFill>
                     <a:schemeClr val="bg1"/>
@@ -3590,7 +3600,7 @@
                   <a:latin typeface="+mj-ea"/>
                   <a:ea typeface="+mj-ea"/>
                 </a:rPr>
-                <a:t>SIM2REAL</a:t>
+                <a:t>Sim2Real </a:t>
               </a:r>
               <a:r>
                 <a:rPr lang="ko-KR" altLang="en-US" sz="6000" b="1" dirty="0">
@@ -3600,7 +3610,7 @@
                   <a:latin typeface="+mj-ea"/>
                   <a:ea typeface="+mj-ea"/>
                 </a:rPr>
-                <a:t>을 활용한 차량 상태 분석 시스템</a:t>
+                <a:t>딥러닝 기반 자동차 동작 인식 시스템</a:t>
               </a:r>
               <a:endParaRPr lang="en-US" altLang="ko-KR" sz="6000" b="1" dirty="0">
                 <a:solidFill>
